--- a/1_dataTypes/introduction.pptx
+++ b/1_dataTypes/introduction.pptx
@@ -5,7 +5,7 @@
     <p:sldMasterId id="2147483650" r:id="rId1"/>
   </p:sldMasterIdLst>
   <p:notesMasterIdLst>
-    <p:notesMasterId r:id="rId13"/>
+    <p:notesMasterId r:id="rId12"/>
   </p:notesMasterIdLst>
   <p:sldIdLst>
     <p:sldId id="278" r:id="rId2"/>
@@ -15,10 +15,9 @@
     <p:sldId id="290" r:id="rId6"/>
     <p:sldId id="294" r:id="rId7"/>
     <p:sldId id="291" r:id="rId8"/>
-    <p:sldId id="292" r:id="rId9"/>
-    <p:sldId id="295" r:id="rId10"/>
-    <p:sldId id="296" r:id="rId11"/>
-    <p:sldId id="293" r:id="rId12"/>
+    <p:sldId id="297" r:id="rId9"/>
+    <p:sldId id="296" r:id="rId10"/>
+    <p:sldId id="293" r:id="rId11"/>
   </p:sldIdLst>
   <p:sldSz cx="12192000" cy="6858000"/>
   <p:notesSz cx="13716000" cy="24384000"/>
@@ -23248,226 +23247,6 @@
           <p:cNvPr id="2" name="Title 1">
             <a:extLst>
               <a:ext uri="{FF2B5EF4-FFF2-40B4-BE49-F238E27FC236}">
-                <a16:creationId xmlns:a16="http://schemas.microsoft.com/office/drawing/2014/main" id="{B83F7D2E-080D-DBDD-73C4-3C38A2B77908}"/>
-              </a:ext>
-            </a:extLst>
-          </p:cNvPr>
-          <p:cNvSpPr>
-            <a:spLocks noGrp="1"/>
-          </p:cNvSpPr>
-          <p:nvPr>
-            <p:ph type="title"/>
-          </p:nvPr>
-        </p:nvSpPr>
-        <p:spPr/>
-        <p:txBody>
-          <a:bodyPr/>
-          <a:lstStyle/>
-          <a:p>
-            <a:r>
-              <a:rPr lang="en-US" dirty="0"/>
-              <a:t>SUMMARY </a:t>
-            </a:r>
-          </a:p>
-        </p:txBody>
-      </p:sp>
-      <p:sp>
-        <p:nvSpPr>
-          <p:cNvPr id="4" name="Footer Placeholder 3">
-            <a:extLst>
-              <a:ext uri="{FF2B5EF4-FFF2-40B4-BE49-F238E27FC236}">
-                <a16:creationId xmlns:a16="http://schemas.microsoft.com/office/drawing/2014/main" id="{D5BA2433-990B-A170-369A-3DF4A9B33BFA}"/>
-              </a:ext>
-            </a:extLst>
-          </p:cNvPr>
-          <p:cNvSpPr>
-            <a:spLocks noGrp="1"/>
-          </p:cNvSpPr>
-          <p:nvPr>
-            <p:ph type="ftr" sz="quarter" idx="13"/>
-          </p:nvPr>
-        </p:nvSpPr>
-        <p:spPr/>
-        <p:txBody>
-          <a:bodyPr/>
-          <a:lstStyle/>
-          <a:p>
-            <a:r>
-              <a:rPr lang="en-US"/>
-              <a:t>Presentation title</a:t>
-            </a:r>
-            <a:endParaRPr lang="en-US" dirty="0"/>
-          </a:p>
-        </p:txBody>
-      </p:sp>
-      <p:sp>
-        <p:nvSpPr>
-          <p:cNvPr id="5" name="Slide Number Placeholder 4">
-            <a:extLst>
-              <a:ext uri="{FF2B5EF4-FFF2-40B4-BE49-F238E27FC236}">
-                <a16:creationId xmlns:a16="http://schemas.microsoft.com/office/drawing/2014/main" id="{BF7F20BE-640F-EFAB-3A43-2AA146DB42BF}"/>
-              </a:ext>
-            </a:extLst>
-          </p:cNvPr>
-          <p:cNvSpPr>
-            <a:spLocks noGrp="1"/>
-          </p:cNvSpPr>
-          <p:nvPr>
-            <p:ph type="sldNum" sz="quarter" idx="12"/>
-          </p:nvPr>
-        </p:nvSpPr>
-        <p:spPr/>
-        <p:txBody>
-          <a:bodyPr/>
-          <a:lstStyle/>
-          <a:p>
-            <a:fld id="{48F63A3B-78C7-47BE-AE5E-E10140E04643}" type="slidenum">
-              <a:rPr lang="en-US" smtClean="0"/>
-              <a:pPr/>
-              <a:t>10</a:t>
-            </a:fld>
-            <a:endParaRPr lang="en-US" dirty="0"/>
-          </a:p>
-        </p:txBody>
-      </p:sp>
-      <p:sp>
-        <p:nvSpPr>
-          <p:cNvPr id="3" name="Content Placeholder 2">
-            <a:extLst>
-              <a:ext uri="{FF2B5EF4-FFF2-40B4-BE49-F238E27FC236}">
-                <a16:creationId xmlns:a16="http://schemas.microsoft.com/office/drawing/2014/main" id="{2BE8FDE3-DBA4-6A04-C75D-E56FE92EF368}"/>
-              </a:ext>
-            </a:extLst>
-          </p:cNvPr>
-          <p:cNvSpPr>
-            <a:spLocks noGrp="1"/>
-          </p:cNvSpPr>
-          <p:nvPr>
-            <p:ph idx="1"/>
-          </p:nvPr>
-        </p:nvSpPr>
-        <p:spPr>
-          <a:xfrm>
-            <a:off x="1508760" y="2837688"/>
-            <a:ext cx="6425276" cy="2700528"/>
-          </a:xfrm>
-        </p:spPr>
-        <p:txBody>
-          <a:bodyPr/>
-          <a:lstStyle/>
-          <a:p>
-            <a:r>
-              <a:rPr lang="ru-RU" sz="2000" dirty="0">
-                <a:solidFill>
-                  <a:schemeClr val="tx1"/>
-                </a:solidFill>
-              </a:rPr>
-              <a:t>Программирование это 80% </a:t>
-            </a:r>
-            <a:r>
-              <a:rPr lang="ru-RU" sz="2000" dirty="0" err="1">
-                <a:solidFill>
-                  <a:schemeClr val="tx1"/>
-                </a:solidFill>
-              </a:rPr>
-              <a:t>пракики</a:t>
-            </a:r>
-            <a:r>
-              <a:rPr lang="ru-RU" sz="2000" dirty="0">
-                <a:solidFill>
-                  <a:schemeClr val="tx1"/>
-                </a:solidFill>
-              </a:rPr>
-              <a:t> и 20% теории</a:t>
-            </a:r>
-            <a:br>
-              <a:rPr lang="ru-RU" sz="2000" dirty="0">
-                <a:solidFill>
-                  <a:schemeClr val="tx1"/>
-                </a:solidFill>
-              </a:rPr>
-            </a:br>
-            <a:r>
-              <a:rPr lang="ru-RU" sz="2000" dirty="0">
-                <a:solidFill>
-                  <a:schemeClr val="tx1"/>
-                </a:solidFill>
-              </a:rPr>
-              <a:t>Узнали что-то новое? Примените это на практике!</a:t>
-            </a:r>
-            <a:br>
-              <a:rPr lang="ru-RU" sz="2000" dirty="0">
-                <a:solidFill>
-                  <a:schemeClr val="tx1"/>
-                </a:solidFill>
-              </a:rPr>
-            </a:br>
-            <a:r>
-              <a:rPr lang="ru-RU" sz="2000" dirty="0">
-                <a:solidFill>
-                  <a:schemeClr val="tx1"/>
-                </a:solidFill>
-              </a:rPr>
-              <a:t>Не можете это применить? Сохраните на будущее, подписав понятным образом</a:t>
-            </a:r>
-            <a:br>
-              <a:rPr lang="ru-RU" sz="2000" dirty="0">
-                <a:solidFill>
-                  <a:schemeClr val="tx1"/>
-                </a:solidFill>
-              </a:rPr>
-            </a:br>
-            <a:r>
-              <a:rPr lang="ru-RU" sz="2000" dirty="0">
-                <a:solidFill>
-                  <a:schemeClr val="tx1"/>
-                </a:solidFill>
-              </a:rPr>
-              <a:t>Работодатели не ценят красные дипломы, они ценят большие портфолио</a:t>
-            </a:r>
-            <a:endParaRPr lang="en-US" sz="2000" dirty="0">
-              <a:solidFill>
-                <a:schemeClr val="tx1"/>
-              </a:solidFill>
-            </a:endParaRPr>
-          </a:p>
-        </p:txBody>
-      </p:sp>
-    </p:spTree>
-    <p:extLst>
-      <p:ext uri="{BB962C8B-B14F-4D97-AF65-F5344CB8AC3E}">
-        <p14:creationId xmlns:p14="http://schemas.microsoft.com/office/powerpoint/2010/main" val="435968852"/>
-      </p:ext>
-    </p:extLst>
-  </p:cSld>
-  <p:clrMapOvr>
-    <a:masterClrMapping/>
-  </p:clrMapOvr>
-</p:sld>
-</file>
-
-<file path=ppt/slides/slide11.xml><?xml version="1.0" encoding="utf-8"?>
-<p:sld xmlns:a="http://schemas.openxmlformats.org/drawingml/2006/main" xmlns:r="http://schemas.openxmlformats.org/officeDocument/2006/relationships" xmlns:p="http://schemas.openxmlformats.org/presentationml/2006/main">
-  <p:cSld>
-    <p:spTree>
-      <p:nvGrpSpPr>
-        <p:cNvPr id="1" name=""/>
-        <p:cNvGrpSpPr/>
-        <p:nvPr/>
-      </p:nvGrpSpPr>
-      <p:grpSpPr>
-        <a:xfrm>
-          <a:off x="0" y="0"/>
-          <a:ext cx="0" cy="0"/>
-          <a:chOff x="0" y="0"/>
-          <a:chExt cx="0" cy="0"/>
-        </a:xfrm>
-      </p:grpSpPr>
-      <p:sp>
-        <p:nvSpPr>
-          <p:cNvPr id="2" name="Title 1">
-            <a:extLst>
-              <a:ext uri="{FF2B5EF4-FFF2-40B4-BE49-F238E27FC236}">
                 <a16:creationId xmlns:a16="http://schemas.microsoft.com/office/drawing/2014/main" id="{800AB426-5B7C-607E-D413-5D2C9495CC0A}"/>
               </a:ext>
             </a:extLst>
@@ -23509,8 +23288,8 @@
         </p:nvSpPr>
         <p:spPr>
           <a:xfrm>
-            <a:off x="1545336" y="2846832"/>
-            <a:ext cx="5880700" cy="2176272"/>
+            <a:off x="807868" y="2846832"/>
+            <a:ext cx="6618168" cy="2176272"/>
           </a:xfrm>
         </p:spPr>
         <p:txBody>
@@ -23535,7 +23314,7 @@
           <a:p>
             <a:r>
               <a:rPr lang="en-US" dirty="0"/>
-              <a:t>https://github.com/Isko00/qadam_cpp_basic</a:t>
+              <a:t>https://github.com/Isko00/Python_basic_lessons</a:t>
             </a:r>
           </a:p>
         </p:txBody>
@@ -24173,7 +23952,45 @@
                   <a:schemeClr val="tx1"/>
                 </a:solidFill>
               </a:rPr>
-              <a:t>Как и во многих языках программирования, в C++ для хранения данных используются переменные. Переменная имеет тип, имя и значение. Тип определяет, какую информацию может хранить переменная.</a:t>
+              <a:t>Как и во многих языках программирования, в </a:t>
+            </a:r>
+            <a:r>
+              <a:rPr lang="en-US" dirty="0">
+                <a:solidFill>
+                  <a:schemeClr val="tx1"/>
+                </a:solidFill>
+              </a:rPr>
+              <a:t>PYTHON </a:t>
+            </a:r>
+            <a:r>
+              <a:rPr lang="ru-RU" dirty="0">
+                <a:solidFill>
+                  <a:schemeClr val="tx1"/>
+                </a:solidFill>
+              </a:rPr>
+              <a:t>для хранения данных используются переменные. </a:t>
+            </a:r>
+            <a:endParaRPr lang="en-US" dirty="0">
+              <a:solidFill>
+                <a:schemeClr val="tx1"/>
+              </a:solidFill>
+            </a:endParaRPr>
+          </a:p>
+          <a:p>
+            <a:endParaRPr lang="en-US" dirty="0">
+              <a:solidFill>
+                <a:schemeClr val="tx1"/>
+              </a:solidFill>
+            </a:endParaRPr>
+          </a:p>
+          <a:p>
+            <a:r>
+              <a:rPr lang="ru-RU" dirty="0">
+                <a:solidFill>
+                  <a:schemeClr val="tx1"/>
+                </a:solidFill>
+              </a:rPr>
+              <a:t>Переменная имеет тип, имя и значение. Тип определяет, какую информацию хранит переменная.</a:t>
             </a:r>
           </a:p>
           <a:p>
@@ -24201,13 +24018,29 @@
             </a:endParaRPr>
           </a:p>
           <a:p>
+            <a:endParaRPr lang="ru-RU" dirty="0">
+              <a:solidFill>
+                <a:schemeClr val="tx1"/>
+              </a:solidFill>
+            </a:endParaRPr>
+          </a:p>
+          <a:p>
+            <a:pPr algn="ctr"/>
             <a:r>
-              <a:rPr lang="ru-RU" dirty="0" err="1">
+              <a:rPr lang="ru-RU" dirty="0">
                 <a:solidFill>
                   <a:schemeClr val="tx1"/>
                 </a:solidFill>
               </a:rPr>
-              <a:t>тип_переменной</a:t>
+              <a:t>имя_переменной</a:t>
+            </a:r>
+            <a:r>
+              <a:rPr lang="en-US" dirty="0">
+                <a:solidFill>
+                  <a:schemeClr val="tx1"/>
+                </a:solidFill>
+              </a:rPr>
+              <a:t> = </a:t>
             </a:r>
             <a:r>
               <a:rPr lang="ru-RU" dirty="0">
@@ -24215,23 +24048,7 @@
                   <a:schemeClr val="tx1"/>
                 </a:solidFill>
               </a:rPr>
-              <a:t> </a:t>
-            </a:r>
-            <a:r>
-              <a:rPr lang="ru-RU" dirty="0" err="1">
-                <a:solidFill>
-                  <a:schemeClr val="tx1"/>
-                </a:solidFill>
-              </a:rPr>
-              <a:t>имя_переменной</a:t>
-            </a:r>
-            <a:r>
-              <a:rPr lang="ru-RU" dirty="0">
-                <a:solidFill>
-                  <a:schemeClr val="tx1"/>
-                </a:solidFill>
-              </a:rPr>
-              <a:t>;</a:t>
+              <a:t>значение</a:t>
             </a:r>
           </a:p>
           <a:p>
@@ -24370,23 +24187,59 @@
               </a:rPr>
               <a:t>Простейшее определение переменной:</a:t>
             </a:r>
-          </a:p>
-          <a:p>
+            <a:endParaRPr lang="en-US" sz="1600" dirty="0">
+              <a:solidFill>
+                <a:schemeClr val="tx1"/>
+              </a:solidFill>
+            </a:endParaRPr>
+          </a:p>
+          <a:p>
+            <a:endParaRPr lang="ru-RU" sz="1600" dirty="0">
+              <a:solidFill>
+                <a:schemeClr val="tx1"/>
+              </a:solidFill>
+            </a:endParaRPr>
+          </a:p>
+          <a:p>
+            <a:pPr algn="ctr"/>
             <a:r>
               <a:rPr lang="ru-RU" sz="1600" dirty="0">
                 <a:solidFill>
                   <a:schemeClr val="tx1"/>
                 </a:solidFill>
               </a:rPr>
-              <a:t>			</a:t>
+              <a:t>age = 21</a:t>
             </a:r>
+            <a:endParaRPr lang="en-US" sz="1600" dirty="0">
+              <a:solidFill>
+                <a:schemeClr val="tx1"/>
+              </a:solidFill>
+            </a:endParaRPr>
+          </a:p>
+          <a:p>
+            <a:pPr algn="ctr"/>
+            <a:endParaRPr lang="ru-RU" sz="1600" dirty="0">
+              <a:solidFill>
+                <a:schemeClr val="tx1"/>
+              </a:solidFill>
+            </a:endParaRPr>
+          </a:p>
+          <a:p>
             <a:r>
-              <a:rPr lang="ru-RU" sz="1600" dirty="0" err="1">
+              <a:rPr lang="ru-RU" sz="1600" dirty="0">
                 <a:solidFill>
                   <a:schemeClr val="tx1"/>
                 </a:solidFill>
               </a:rPr>
-              <a:t>int</a:t>
+              <a:t>Здесь определена переменная age, которая имеет тип int</a:t>
+            </a:r>
+            <a:r>
+              <a:rPr lang="en-US" sz="1600" dirty="0">
+                <a:solidFill>
+                  <a:schemeClr val="tx1"/>
+                </a:solidFill>
+              </a:rPr>
+              <a:t>EGER</a:t>
             </a:r>
             <a:r>
               <a:rPr lang="ru-RU" sz="1600" dirty="0">
@@ -24394,226 +24247,127 @@
                   <a:schemeClr val="tx1"/>
                 </a:solidFill>
               </a:rPr>
-              <a:t> </a:t>
+              <a:t>. </a:t>
             </a:r>
-            <a:r>
-              <a:rPr lang="ru-RU" sz="1600" dirty="0" err="1">
-                <a:solidFill>
-                  <a:schemeClr val="tx1"/>
-                </a:solidFill>
-              </a:rPr>
-              <a:t>age</a:t>
-            </a:r>
+            <a:endParaRPr lang="en-US" sz="1600" dirty="0">
+              <a:solidFill>
+                <a:schemeClr val="tx1"/>
+              </a:solidFill>
+            </a:endParaRPr>
+          </a:p>
+          <a:p>
+            <a:endParaRPr lang="en-US" sz="1600" dirty="0">
+              <a:solidFill>
+                <a:schemeClr val="tx1"/>
+              </a:solidFill>
+            </a:endParaRPr>
+          </a:p>
+          <a:p>
             <a:r>
               <a:rPr lang="ru-RU" sz="1600" dirty="0">
                 <a:solidFill>
                   <a:schemeClr val="tx1"/>
                 </a:solidFill>
               </a:rPr>
-              <a:t> = 21;</a:t>
+              <a:t>Следует придерживаться нескольких несложных правил при выборе имен переменных:</a:t>
             </a:r>
           </a:p>
           <a:p>
+            <a:endParaRPr lang="ru-RU" sz="1600" dirty="0">
+              <a:solidFill>
+                <a:schemeClr val="tx1"/>
+              </a:solidFill>
+            </a:endParaRPr>
+          </a:p>
+          <a:p>
+            <a:pPr marL="285750" indent="-285750">
+              <a:buFont typeface="Wingdings" panose="05000000000000000000" pitchFamily="2" charset="2"/>
+              <a:buChar char="Ø"/>
+            </a:pPr>
             <a:r>
-              <a:rPr lang="ru-RU" sz="1600" dirty="0">
+              <a:rPr lang="ru-RU" sz="1400" dirty="0">
                 <a:solidFill>
                   <a:schemeClr val="tx1"/>
                 </a:solidFill>
               </a:rPr>
-              <a:t>Здесь определена переменная </a:t>
+              <a:t>Имя переменной может содержать только латинские буквы, числа и символ нижнего подчеркивания</a:t>
             </a:r>
+          </a:p>
+          <a:p>
+            <a:pPr marL="285750" indent="-285750">
+              <a:buFont typeface="Wingdings" panose="05000000000000000000" pitchFamily="2" charset="2"/>
+              <a:buChar char="Ø"/>
+            </a:pPr>
+            <a:endParaRPr lang="ru-RU" sz="1400" dirty="0">
+              <a:solidFill>
+                <a:schemeClr val="tx1"/>
+              </a:solidFill>
+            </a:endParaRPr>
+          </a:p>
+          <a:p>
+            <a:pPr marL="285750" indent="-285750">
+              <a:buFont typeface="Wingdings" panose="05000000000000000000" pitchFamily="2" charset="2"/>
+              <a:buChar char="Ø"/>
+            </a:pPr>
             <a:r>
-              <a:rPr lang="ru-RU" sz="1600" dirty="0" err="1">
+              <a:rPr lang="ru-RU" sz="1400" dirty="0">
                 <a:solidFill>
                   <a:schemeClr val="tx1"/>
                 </a:solidFill>
               </a:rPr>
-              <a:t>age</a:t>
+              <a:t>Имя переменной не должно содержать пробелов</a:t>
             </a:r>
+          </a:p>
+          <a:p>
+            <a:pPr marL="285750" indent="-285750">
+              <a:buFont typeface="Wingdings" panose="05000000000000000000" pitchFamily="2" charset="2"/>
+              <a:buChar char="Ø"/>
+            </a:pPr>
+            <a:endParaRPr lang="ru-RU" sz="1400" dirty="0">
+              <a:solidFill>
+                <a:schemeClr val="tx1"/>
+              </a:solidFill>
+            </a:endParaRPr>
+          </a:p>
+          <a:p>
+            <a:pPr marL="285750" indent="-285750">
+              <a:buFont typeface="Wingdings" panose="05000000000000000000" pitchFamily="2" charset="2"/>
+              <a:buChar char="Ø"/>
+            </a:pPr>
             <a:r>
-              <a:rPr lang="ru-RU" sz="1600" dirty="0">
+              <a:rPr lang="ru-RU" sz="1400" dirty="0">
                 <a:solidFill>
                   <a:schemeClr val="tx1"/>
                 </a:solidFill>
               </a:rPr>
-              <a:t>, которая имеет тип </a:t>
+              <a:t>Имя переменной не должно начинаться с цифры</a:t>
             </a:r>
+          </a:p>
+          <a:p>
+            <a:pPr marL="285750" indent="-285750">
+              <a:buFont typeface="Wingdings" panose="05000000000000000000" pitchFamily="2" charset="2"/>
+              <a:buChar char="Ø"/>
+            </a:pPr>
+            <a:endParaRPr lang="ru-RU" sz="1400" dirty="0">
+              <a:solidFill>
+                <a:schemeClr val="tx1"/>
+              </a:solidFill>
+            </a:endParaRPr>
+          </a:p>
+          <a:p>
+            <a:pPr marL="285750" indent="-285750">
+              <a:buFont typeface="Wingdings" panose="05000000000000000000" pitchFamily="2" charset="2"/>
+              <a:buChar char="Ø"/>
+            </a:pPr>
             <a:r>
-              <a:rPr lang="ru-RU" sz="1600" dirty="0" err="1">
+              <a:rPr lang="ru-RU" sz="1400" dirty="0">
                 <a:solidFill>
                   <a:schemeClr val="tx1"/>
                 </a:solidFill>
               </a:rPr>
-              <a:t>int</a:t>
+              <a:t>Регистр важен: var и Var это разные переменные</a:t>
             </a:r>
-            <a:r>
-              <a:rPr lang="ru-RU" sz="1600" dirty="0">
-                <a:solidFill>
-                  <a:schemeClr val="tx1"/>
-                </a:solidFill>
-              </a:rPr>
-              <a:t>. Поскольку определение переменной представляет собой инструкцию, то после него ставится точка с запятой.</a:t>
-            </a:r>
-          </a:p>
-          <a:p>
-            <a:r>
-              <a:rPr lang="ru-RU" sz="1600" dirty="0">
-                <a:solidFill>
-                  <a:schemeClr val="tx1"/>
-                </a:solidFill>
-              </a:rPr>
-              <a:t>	Также стоит учитывать, что C++ - </a:t>
-            </a:r>
-            <a:r>
-              <a:rPr lang="ru-RU" sz="1600" dirty="0" err="1">
-                <a:solidFill>
-                  <a:schemeClr val="tx1"/>
-                </a:solidFill>
-              </a:rPr>
-              <a:t>регистрозависимый</a:t>
-            </a:r>
-            <a:r>
-              <a:rPr lang="ru-RU" sz="1600" dirty="0">
-                <a:solidFill>
-                  <a:schemeClr val="tx1"/>
-                </a:solidFill>
-              </a:rPr>
-              <a:t> язык, а это значит, что регистр символов имеет большое значение. То есть в следующем коде будут определяться две разные переменные:</a:t>
-            </a:r>
-          </a:p>
-          <a:p>
-            <a:r>
-              <a:rPr lang="ru-RU" sz="1600" dirty="0">
-                <a:solidFill>
-                  <a:schemeClr val="tx1"/>
-                </a:solidFill>
-              </a:rPr>
-              <a:t>			</a:t>
-            </a:r>
-            <a:r>
-              <a:rPr lang="ru-RU" sz="1600" dirty="0" err="1">
-                <a:solidFill>
-                  <a:schemeClr val="tx1"/>
-                </a:solidFill>
-              </a:rPr>
-              <a:t>int</a:t>
-            </a:r>
-            <a:r>
-              <a:rPr lang="ru-RU" sz="1600" dirty="0">
-                <a:solidFill>
-                  <a:schemeClr val="tx1"/>
-                </a:solidFill>
-              </a:rPr>
-              <a:t> </a:t>
-            </a:r>
-            <a:r>
-              <a:rPr lang="ru-RU" sz="1600" dirty="0" err="1">
-                <a:solidFill>
-                  <a:schemeClr val="tx1"/>
-                </a:solidFill>
-              </a:rPr>
-              <a:t>age</a:t>
-            </a:r>
-            <a:r>
-              <a:rPr lang="ru-RU" sz="1600" dirty="0">
-                <a:solidFill>
-                  <a:schemeClr val="tx1"/>
-                </a:solidFill>
-              </a:rPr>
-              <a:t>;</a:t>
-            </a:r>
-          </a:p>
-          <a:p>
-            <a:r>
-              <a:rPr lang="ru-RU" sz="1600" dirty="0">
-                <a:solidFill>
-                  <a:schemeClr val="tx1"/>
-                </a:solidFill>
-              </a:rPr>
-              <a:t>			</a:t>
-            </a:r>
-            <a:r>
-              <a:rPr lang="ru-RU" sz="1600" dirty="0" err="1">
-                <a:solidFill>
-                  <a:schemeClr val="tx1"/>
-                </a:solidFill>
-              </a:rPr>
-              <a:t>int</a:t>
-            </a:r>
-            <a:r>
-              <a:rPr lang="ru-RU" sz="1600" dirty="0">
-                <a:solidFill>
-                  <a:schemeClr val="tx1"/>
-                </a:solidFill>
-              </a:rPr>
-              <a:t> </a:t>
-            </a:r>
-            <a:r>
-              <a:rPr lang="ru-RU" sz="1600" dirty="0" err="1">
-                <a:solidFill>
-                  <a:schemeClr val="tx1"/>
-                </a:solidFill>
-              </a:rPr>
-              <a:t>Age</a:t>
-            </a:r>
-            <a:r>
-              <a:rPr lang="ru-RU" sz="1600" dirty="0">
-                <a:solidFill>
-                  <a:schemeClr val="tx1"/>
-                </a:solidFill>
-              </a:rPr>
-              <a:t>;</a:t>
-            </a:r>
-          </a:p>
-          <a:p>
-            <a:r>
-              <a:rPr lang="ru-RU" sz="1600" dirty="0">
-                <a:solidFill>
-                  <a:schemeClr val="tx1"/>
-                </a:solidFill>
-              </a:rPr>
-              <a:t>Поэтому переменная </a:t>
-            </a:r>
-            <a:r>
-              <a:rPr lang="ru-RU" sz="1600" dirty="0" err="1">
-                <a:solidFill>
-                  <a:schemeClr val="tx1"/>
-                </a:solidFill>
-              </a:rPr>
-              <a:t>Age</a:t>
-            </a:r>
-            <a:r>
-              <a:rPr lang="ru-RU" sz="1600" dirty="0">
-                <a:solidFill>
-                  <a:schemeClr val="tx1"/>
-                </a:solidFill>
-              </a:rPr>
-              <a:t> не будет представлять то же самое, что и переменная </a:t>
-            </a:r>
-            <a:r>
-              <a:rPr lang="ru-RU" sz="1600" dirty="0" err="1">
-                <a:solidFill>
-                  <a:schemeClr val="tx1"/>
-                </a:solidFill>
-              </a:rPr>
-              <a:t>age</a:t>
-            </a:r>
-            <a:r>
-              <a:rPr lang="ru-RU" sz="1600" dirty="0">
-                <a:solidFill>
-                  <a:schemeClr val="tx1"/>
-                </a:solidFill>
-              </a:rPr>
-              <a:t>.</a:t>
-            </a:r>
-            <a:endParaRPr lang="en-US" sz="1600" dirty="0">
-              <a:solidFill>
-                <a:schemeClr val="tx1"/>
-              </a:solidFill>
-            </a:endParaRPr>
-          </a:p>
-          <a:p>
-            <a:endParaRPr lang="en-US" sz="1600" dirty="0">
+            <a:endParaRPr lang="en-US" sz="1400" dirty="0">
               <a:solidFill>
                 <a:schemeClr val="tx1"/>
               </a:solidFill>
@@ -24682,35 +24436,6 @@
       </p:sp>
       <p:sp>
         <p:nvSpPr>
-          <p:cNvPr id="101" name="Footer Placeholder 100">
-            <a:extLst>
-              <a:ext uri="{FF2B5EF4-FFF2-40B4-BE49-F238E27FC236}">
-                <a16:creationId xmlns:a16="http://schemas.microsoft.com/office/drawing/2014/main" id="{A45E958A-ABCE-B639-C555-90CCC88988C5}"/>
-              </a:ext>
-            </a:extLst>
-          </p:cNvPr>
-          <p:cNvSpPr>
-            <a:spLocks noGrp="1"/>
-          </p:cNvSpPr>
-          <p:nvPr>
-            <p:ph type="ftr" sz="quarter" idx="11"/>
-          </p:nvPr>
-        </p:nvSpPr>
-        <p:spPr/>
-        <p:txBody>
-          <a:bodyPr/>
-          <a:lstStyle/>
-          <a:p>
-            <a:r>
-              <a:rPr lang="en-US"/>
-              <a:t>Presentation title</a:t>
-            </a:r>
-            <a:endParaRPr lang="en-US" dirty="0"/>
-          </a:p>
-        </p:txBody>
-      </p:sp>
-      <p:sp>
-        <p:nvSpPr>
           <p:cNvPr id="102" name="Slide Number Placeholder 101">
             <a:extLst>
               <a:ext uri="{FF2B5EF4-FFF2-40B4-BE49-F238E27FC236}">
@@ -24764,6 +24489,30 @@
               <a:rPr lang="ru-RU" dirty="0"/>
               <a:t>Числовые</a:t>
             </a:r>
+            <a:endParaRPr lang="en-US" dirty="0"/>
+          </a:p>
+          <a:p>
+            <a:endParaRPr lang="en-US" dirty="0"/>
+          </a:p>
+          <a:p>
+            <a:endParaRPr lang="en-US" dirty="0"/>
+          </a:p>
+          <a:p>
+            <a:endParaRPr lang="en-US" dirty="0"/>
+          </a:p>
+          <a:p>
+            <a:endParaRPr lang="en-US" dirty="0"/>
+          </a:p>
+          <a:p>
+            <a:r>
+              <a:rPr lang="ru-RU" dirty="0"/>
+              <a:t>Строчные</a:t>
+            </a:r>
+          </a:p>
+          <a:p>
+            <a:endParaRPr lang="ru-RU" dirty="0"/>
+          </a:p>
+          <a:p>
             <a:endParaRPr lang="en-US" dirty="0"/>
           </a:p>
         </p:txBody>
@@ -24807,35 +24556,19 @@
             <p:ph type="body" sz="quarter" idx="18"/>
           </p:nvPr>
         </p:nvSpPr>
-        <p:spPr/>
+        <p:spPr>
+          <a:xfrm>
+            <a:off x="992124" y="3950208"/>
+            <a:ext cx="2770632" cy="373217"/>
+          </a:xfrm>
+        </p:spPr>
         <p:txBody>
           <a:bodyPr/>
           <a:lstStyle/>
           <a:p>
             <a:r>
-              <a:rPr lang="ru-RU" sz="2000" dirty="0"/>
-              <a:t>Целочисленные</a:t>
-            </a:r>
-            <a:br>
-              <a:rPr lang="ru-RU" sz="2000" dirty="0"/>
-            </a:br>
-            <a:r>
               <a:rPr lang="en-US" sz="2000" dirty="0"/>
-              <a:t>int, long, short</a:t>
-            </a:r>
-            <a:br>
-              <a:rPr lang="en-US" sz="2000" dirty="0"/>
-            </a:br>
-            <a:endParaRPr lang="en-US" sz="2000" dirty="0"/>
-          </a:p>
-          <a:p>
-            <a:r>
-              <a:rPr lang="kk-KZ" sz="2000" dirty="0"/>
-              <a:t>Вещественные </a:t>
-            </a:r>
-            <a:r>
-              <a:rPr lang="en-US" sz="2000" dirty="0"/>
-              <a:t>double, float</a:t>
+              <a:t>int, float, complex</a:t>
             </a:r>
           </a:p>
         </p:txBody>
@@ -24863,8 +24596,31 @@
           <a:p>
             <a:r>
               <a:rPr lang="ru-RU" dirty="0"/>
-              <a:t>Символьные</a:t>
+              <a:t>Последовательности</a:t>
             </a:r>
+          </a:p>
+          <a:p>
+            <a:endParaRPr lang="en-US" dirty="0"/>
+          </a:p>
+          <a:p>
+            <a:endParaRPr lang="en-US" dirty="0"/>
+          </a:p>
+          <a:p>
+            <a:endParaRPr lang="en-US" dirty="0"/>
+          </a:p>
+          <a:p>
+            <a:endParaRPr lang="en-US" dirty="0"/>
+          </a:p>
+          <a:p>
+            <a:r>
+              <a:rPr lang="ru-RU" dirty="0"/>
+              <a:t>Ключ-значение</a:t>
+            </a:r>
+          </a:p>
+          <a:p>
+            <a:endParaRPr lang="ru-RU" dirty="0"/>
+          </a:p>
+          <a:p>
             <a:endParaRPr lang="en-US" dirty="0"/>
           </a:p>
         </p:txBody>
@@ -24908,14 +24664,19 @@
             <p:ph type="body" sz="quarter" idx="21"/>
           </p:nvPr>
         </p:nvSpPr>
-        <p:spPr/>
+        <p:spPr>
+          <a:xfrm>
+            <a:off x="4722876" y="3950208"/>
+            <a:ext cx="2770632" cy="373217"/>
+          </a:xfrm>
+        </p:spPr>
         <p:txBody>
           <a:bodyPr/>
           <a:lstStyle/>
           <a:p>
             <a:r>
               <a:rPr lang="en-US" sz="2000" dirty="0"/>
-              <a:t>char</a:t>
+              <a:t>list, tuple, set</a:t>
             </a:r>
           </a:p>
         </p:txBody>
@@ -24944,6 +24705,25 @@
             <a:r>
               <a:rPr lang="ru-RU" altLang="zh-CN" dirty="0"/>
               <a:t>Логические</a:t>
+            </a:r>
+            <a:endParaRPr lang="en-US" altLang="zh-CN" dirty="0"/>
+          </a:p>
+          <a:p>
+            <a:endParaRPr lang="en-US" dirty="0"/>
+          </a:p>
+          <a:p>
+            <a:endParaRPr lang="en-US" dirty="0"/>
+          </a:p>
+          <a:p>
+            <a:endParaRPr lang="en-US" dirty="0"/>
+          </a:p>
+          <a:p>
+            <a:endParaRPr lang="en-US" dirty="0"/>
+          </a:p>
+          <a:p>
+            <a:r>
+              <a:rPr lang="ru-RU" dirty="0"/>
+              <a:t>И другие</a:t>
             </a:r>
             <a:endParaRPr lang="en-US" dirty="0"/>
           </a:p>
@@ -24988,7 +24768,12 @@
             <p:ph type="body" sz="quarter" idx="22"/>
           </p:nvPr>
         </p:nvSpPr>
-        <p:spPr/>
+        <p:spPr>
+          <a:xfrm>
+            <a:off x="8371332" y="3950208"/>
+            <a:ext cx="2770632" cy="373217"/>
+          </a:xfrm>
+        </p:spPr>
         <p:txBody>
           <a:bodyPr/>
           <a:lstStyle/>
@@ -24996,6 +24781,606 @@
             <a:r>
               <a:rPr lang="en-US" sz="2000" dirty="0"/>
               <a:t>bool</a:t>
+            </a:r>
+          </a:p>
+        </p:txBody>
+      </p:sp>
+      <p:sp>
+        <p:nvSpPr>
+          <p:cNvPr id="16" name="Text Placeholder 5">
+            <a:extLst>
+              <a:ext uri="{FF2B5EF4-FFF2-40B4-BE49-F238E27FC236}">
+                <a16:creationId xmlns:a16="http://schemas.microsoft.com/office/drawing/2014/main" id="{82AAC0BA-E12D-4C55-897B-35B487C175E4}"/>
+              </a:ext>
+            </a:extLst>
+          </p:cNvPr>
+          <p:cNvSpPr txBox="1">
+            <a:spLocks/>
+          </p:cNvSpPr>
+          <p:nvPr/>
+        </p:nvSpPr>
+        <p:spPr>
+          <a:xfrm>
+            <a:off x="992124" y="5425560"/>
+            <a:ext cx="2770632" cy="373217"/>
+          </a:xfrm>
+          <a:prstGeom prst="rect">
+            <a:avLst/>
+          </a:prstGeom>
+          <a:noFill/>
+        </p:spPr>
+        <p:txBody>
+          <a:bodyPr vert="horz" lIns="91440" tIns="45720" rIns="91440" bIns="45720" rtlCol="0" anchor="t">
+            <a:noAutofit/>
+          </a:bodyPr>
+          <a:lstStyle>
+            <a:lvl1pPr marL="347472" indent="-347472" algn="l" defTabSz="914400" rtl="0" eaLnBrk="1" latinLnBrk="0" hangingPunct="1">
+              <a:lnSpc>
+                <a:spcPct val="100000"/>
+              </a:lnSpc>
+              <a:spcBef>
+                <a:spcPts val="360"/>
+              </a:spcBef>
+              <a:buFont typeface="Arial" panose="020B0604020202020204" pitchFamily="34" charset="0"/>
+              <a:buChar char="•"/>
+              <a:defRPr sz="1500" kern="1200">
+                <a:solidFill>
+                  <a:schemeClr val="accent6"/>
+                </a:solidFill>
+                <a:latin typeface="+mn-lt"/>
+                <a:ea typeface="+mn-ea"/>
+                <a:cs typeface="+mn-cs"/>
+              </a:defRPr>
+            </a:lvl1pPr>
+            <a:lvl2pPr marL="685800" indent="-347472" algn="l" defTabSz="914400" rtl="0" eaLnBrk="1" latinLnBrk="0" hangingPunct="1">
+              <a:lnSpc>
+                <a:spcPct val="100000"/>
+              </a:lnSpc>
+              <a:spcBef>
+                <a:spcPts val="360"/>
+              </a:spcBef>
+              <a:buFont typeface="Arial" panose="020B0604020202020204" pitchFamily="34" charset="0"/>
+              <a:buChar char="•"/>
+              <a:defRPr sz="2400" kern="1200">
+                <a:solidFill>
+                  <a:schemeClr val="accent6"/>
+                </a:solidFill>
+                <a:latin typeface="+mn-lt"/>
+                <a:ea typeface="+mn-ea"/>
+                <a:cs typeface="+mn-cs"/>
+              </a:defRPr>
+            </a:lvl2pPr>
+            <a:lvl3pPr marL="1143000" indent="-347472" algn="l" defTabSz="914400" rtl="0" eaLnBrk="1" latinLnBrk="0" hangingPunct="1">
+              <a:lnSpc>
+                <a:spcPct val="100000"/>
+              </a:lnSpc>
+              <a:spcBef>
+                <a:spcPts val="360"/>
+              </a:spcBef>
+              <a:buFont typeface="Arial" panose="020B0604020202020204" pitchFamily="34" charset="0"/>
+              <a:buChar char="•"/>
+              <a:defRPr sz="2000" kern="1200">
+                <a:solidFill>
+                  <a:schemeClr val="accent6"/>
+                </a:solidFill>
+                <a:latin typeface="+mn-lt"/>
+                <a:ea typeface="+mn-ea"/>
+                <a:cs typeface="+mn-cs"/>
+              </a:defRPr>
+            </a:lvl3pPr>
+            <a:lvl4pPr marL="1600200" indent="-347472" algn="l" defTabSz="914400" rtl="0" eaLnBrk="1" latinLnBrk="0" hangingPunct="1">
+              <a:lnSpc>
+                <a:spcPct val="100000"/>
+              </a:lnSpc>
+              <a:spcBef>
+                <a:spcPts val="360"/>
+              </a:spcBef>
+              <a:buFont typeface="Arial" panose="020B0604020202020204" pitchFamily="34" charset="0"/>
+              <a:buChar char="•"/>
+              <a:defRPr sz="1800" kern="1200">
+                <a:solidFill>
+                  <a:schemeClr val="accent6"/>
+                </a:solidFill>
+                <a:latin typeface="+mn-lt"/>
+                <a:ea typeface="+mn-ea"/>
+                <a:cs typeface="+mn-cs"/>
+              </a:defRPr>
+            </a:lvl4pPr>
+            <a:lvl5pPr marL="2057400" indent="-347472" algn="l" defTabSz="914400" rtl="0" eaLnBrk="1" latinLnBrk="0" hangingPunct="1">
+              <a:lnSpc>
+                <a:spcPct val="100000"/>
+              </a:lnSpc>
+              <a:spcBef>
+                <a:spcPts val="360"/>
+              </a:spcBef>
+              <a:buFont typeface="Arial" panose="020B0604020202020204" pitchFamily="34" charset="0"/>
+              <a:buChar char="•"/>
+              <a:defRPr sz="1800" kern="1200">
+                <a:solidFill>
+                  <a:schemeClr val="accent6"/>
+                </a:solidFill>
+                <a:latin typeface="+mn-lt"/>
+                <a:ea typeface="+mn-ea"/>
+                <a:cs typeface="+mn-cs"/>
+              </a:defRPr>
+            </a:lvl5pPr>
+            <a:lvl6pPr marL="2514600" indent="-228600" algn="l" defTabSz="914400" rtl="0" eaLnBrk="1" latinLnBrk="0" hangingPunct="1">
+              <a:lnSpc>
+                <a:spcPct val="90000"/>
+              </a:lnSpc>
+              <a:spcBef>
+                <a:spcPts val="500"/>
+              </a:spcBef>
+              <a:buFont typeface="Arial" panose="020B0604020202020204" pitchFamily="34" charset="0"/>
+              <a:buChar char="•"/>
+              <a:defRPr sz="1800" kern="1200">
+                <a:solidFill>
+                  <a:schemeClr val="tx1"/>
+                </a:solidFill>
+                <a:latin typeface="+mn-lt"/>
+                <a:ea typeface="+mn-ea"/>
+                <a:cs typeface="+mn-cs"/>
+              </a:defRPr>
+            </a:lvl6pPr>
+            <a:lvl7pPr marL="2971800" indent="-228600" algn="l" defTabSz="914400" rtl="0" eaLnBrk="1" latinLnBrk="0" hangingPunct="1">
+              <a:lnSpc>
+                <a:spcPct val="90000"/>
+              </a:lnSpc>
+              <a:spcBef>
+                <a:spcPts val="500"/>
+              </a:spcBef>
+              <a:buFont typeface="Arial" panose="020B0604020202020204" pitchFamily="34" charset="0"/>
+              <a:buChar char="•"/>
+              <a:defRPr sz="1800" kern="1200">
+                <a:solidFill>
+                  <a:schemeClr val="tx1"/>
+                </a:solidFill>
+                <a:latin typeface="+mn-lt"/>
+                <a:ea typeface="+mn-ea"/>
+                <a:cs typeface="+mn-cs"/>
+              </a:defRPr>
+            </a:lvl7pPr>
+            <a:lvl8pPr marL="3429000" indent="-228600" algn="l" defTabSz="914400" rtl="0" eaLnBrk="1" latinLnBrk="0" hangingPunct="1">
+              <a:lnSpc>
+                <a:spcPct val="90000"/>
+              </a:lnSpc>
+              <a:spcBef>
+                <a:spcPts val="500"/>
+              </a:spcBef>
+              <a:buFont typeface="Arial" panose="020B0604020202020204" pitchFamily="34" charset="0"/>
+              <a:buChar char="•"/>
+              <a:defRPr sz="1800" kern="1200">
+                <a:solidFill>
+                  <a:schemeClr val="tx1"/>
+                </a:solidFill>
+                <a:latin typeface="+mn-lt"/>
+                <a:ea typeface="+mn-ea"/>
+                <a:cs typeface="+mn-cs"/>
+              </a:defRPr>
+            </a:lvl8pPr>
+            <a:lvl9pPr marL="3886200" indent="-228600" algn="l" defTabSz="914400" rtl="0" eaLnBrk="1" latinLnBrk="0" hangingPunct="1">
+              <a:lnSpc>
+                <a:spcPct val="90000"/>
+              </a:lnSpc>
+              <a:spcBef>
+                <a:spcPts val="500"/>
+              </a:spcBef>
+              <a:buFont typeface="Arial" panose="020B0604020202020204" pitchFamily="34" charset="0"/>
+              <a:buChar char="•"/>
+              <a:defRPr sz="1800" kern="1200">
+                <a:solidFill>
+                  <a:schemeClr val="tx1"/>
+                </a:solidFill>
+                <a:latin typeface="+mn-lt"/>
+                <a:ea typeface="+mn-ea"/>
+                <a:cs typeface="+mn-cs"/>
+              </a:defRPr>
+            </a:lvl9pPr>
+          </a:lstStyle>
+          <a:p>
+            <a:r>
+              <a:rPr lang="en-US" sz="2000" dirty="0"/>
+              <a:t>str</a:t>
+            </a:r>
+          </a:p>
+        </p:txBody>
+      </p:sp>
+      <p:sp>
+        <p:nvSpPr>
+          <p:cNvPr id="18" name="Text Placeholder 6">
+            <a:extLst>
+              <a:ext uri="{FF2B5EF4-FFF2-40B4-BE49-F238E27FC236}">
+                <a16:creationId xmlns:a16="http://schemas.microsoft.com/office/drawing/2014/main" id="{A184304F-9E04-41CD-8686-700FC3A201CC}"/>
+              </a:ext>
+            </a:extLst>
+          </p:cNvPr>
+          <p:cNvSpPr txBox="1">
+            <a:spLocks/>
+          </p:cNvSpPr>
+          <p:nvPr/>
+        </p:nvSpPr>
+        <p:spPr>
+          <a:xfrm>
+            <a:off x="4724355" y="5425559"/>
+            <a:ext cx="2770632" cy="373217"/>
+          </a:xfrm>
+          <a:prstGeom prst="rect">
+            <a:avLst/>
+          </a:prstGeom>
+          <a:noFill/>
+        </p:spPr>
+        <p:txBody>
+          <a:bodyPr vert="horz" lIns="91440" tIns="45720" rIns="91440" bIns="45720" rtlCol="0" anchor="t">
+            <a:noAutofit/>
+          </a:bodyPr>
+          <a:lstStyle>
+            <a:lvl1pPr marL="347472" indent="-347472" algn="l" defTabSz="914400" rtl="0" eaLnBrk="1" latinLnBrk="0" hangingPunct="1">
+              <a:lnSpc>
+                <a:spcPct val="100000"/>
+              </a:lnSpc>
+              <a:spcBef>
+                <a:spcPts val="360"/>
+              </a:spcBef>
+              <a:buFont typeface="Arial" panose="020B0604020202020204" pitchFamily="34" charset="0"/>
+              <a:buChar char="•"/>
+              <a:defRPr sz="1500" kern="1200">
+                <a:solidFill>
+                  <a:schemeClr val="accent6"/>
+                </a:solidFill>
+                <a:latin typeface="+mn-lt"/>
+                <a:ea typeface="+mn-ea"/>
+                <a:cs typeface="+mn-cs"/>
+              </a:defRPr>
+            </a:lvl1pPr>
+            <a:lvl2pPr marL="685800" indent="-347472" algn="l" defTabSz="914400" rtl="0" eaLnBrk="1" latinLnBrk="0" hangingPunct="1">
+              <a:lnSpc>
+                <a:spcPct val="100000"/>
+              </a:lnSpc>
+              <a:spcBef>
+                <a:spcPts val="360"/>
+              </a:spcBef>
+              <a:buFont typeface="Arial" panose="020B0604020202020204" pitchFamily="34" charset="0"/>
+              <a:buChar char="•"/>
+              <a:defRPr sz="2400" kern="1200">
+                <a:solidFill>
+                  <a:schemeClr val="accent6"/>
+                </a:solidFill>
+                <a:latin typeface="+mn-lt"/>
+                <a:ea typeface="+mn-ea"/>
+                <a:cs typeface="+mn-cs"/>
+              </a:defRPr>
+            </a:lvl2pPr>
+            <a:lvl3pPr marL="1143000" indent="-347472" algn="l" defTabSz="914400" rtl="0" eaLnBrk="1" latinLnBrk="0" hangingPunct="1">
+              <a:lnSpc>
+                <a:spcPct val="100000"/>
+              </a:lnSpc>
+              <a:spcBef>
+                <a:spcPts val="360"/>
+              </a:spcBef>
+              <a:buFont typeface="Arial" panose="020B0604020202020204" pitchFamily="34" charset="0"/>
+              <a:buChar char="•"/>
+              <a:defRPr sz="2000" kern="1200">
+                <a:solidFill>
+                  <a:schemeClr val="accent6"/>
+                </a:solidFill>
+                <a:latin typeface="+mn-lt"/>
+                <a:ea typeface="+mn-ea"/>
+                <a:cs typeface="+mn-cs"/>
+              </a:defRPr>
+            </a:lvl3pPr>
+            <a:lvl4pPr marL="1600200" indent="-347472" algn="l" defTabSz="914400" rtl="0" eaLnBrk="1" latinLnBrk="0" hangingPunct="1">
+              <a:lnSpc>
+                <a:spcPct val="100000"/>
+              </a:lnSpc>
+              <a:spcBef>
+                <a:spcPts val="360"/>
+              </a:spcBef>
+              <a:buFont typeface="Arial" panose="020B0604020202020204" pitchFamily="34" charset="0"/>
+              <a:buChar char="•"/>
+              <a:defRPr sz="1800" kern="1200">
+                <a:solidFill>
+                  <a:schemeClr val="accent6"/>
+                </a:solidFill>
+                <a:latin typeface="+mn-lt"/>
+                <a:ea typeface="+mn-ea"/>
+                <a:cs typeface="+mn-cs"/>
+              </a:defRPr>
+            </a:lvl4pPr>
+            <a:lvl5pPr marL="2057400" indent="-347472" algn="l" defTabSz="914400" rtl="0" eaLnBrk="1" latinLnBrk="0" hangingPunct="1">
+              <a:lnSpc>
+                <a:spcPct val="100000"/>
+              </a:lnSpc>
+              <a:spcBef>
+                <a:spcPts val="360"/>
+              </a:spcBef>
+              <a:buFont typeface="Arial" panose="020B0604020202020204" pitchFamily="34" charset="0"/>
+              <a:buChar char="•"/>
+              <a:defRPr sz="1800" kern="1200">
+                <a:solidFill>
+                  <a:schemeClr val="accent6"/>
+                </a:solidFill>
+                <a:latin typeface="+mn-lt"/>
+                <a:ea typeface="+mn-ea"/>
+                <a:cs typeface="+mn-cs"/>
+              </a:defRPr>
+            </a:lvl5pPr>
+            <a:lvl6pPr marL="2514600" indent="-228600" algn="l" defTabSz="914400" rtl="0" eaLnBrk="1" latinLnBrk="0" hangingPunct="1">
+              <a:lnSpc>
+                <a:spcPct val="90000"/>
+              </a:lnSpc>
+              <a:spcBef>
+                <a:spcPts val="500"/>
+              </a:spcBef>
+              <a:buFont typeface="Arial" panose="020B0604020202020204" pitchFamily="34" charset="0"/>
+              <a:buChar char="•"/>
+              <a:defRPr sz="1800" kern="1200">
+                <a:solidFill>
+                  <a:schemeClr val="tx1"/>
+                </a:solidFill>
+                <a:latin typeface="+mn-lt"/>
+                <a:ea typeface="+mn-ea"/>
+                <a:cs typeface="+mn-cs"/>
+              </a:defRPr>
+            </a:lvl6pPr>
+            <a:lvl7pPr marL="2971800" indent="-228600" algn="l" defTabSz="914400" rtl="0" eaLnBrk="1" latinLnBrk="0" hangingPunct="1">
+              <a:lnSpc>
+                <a:spcPct val="90000"/>
+              </a:lnSpc>
+              <a:spcBef>
+                <a:spcPts val="500"/>
+              </a:spcBef>
+              <a:buFont typeface="Arial" panose="020B0604020202020204" pitchFamily="34" charset="0"/>
+              <a:buChar char="•"/>
+              <a:defRPr sz="1800" kern="1200">
+                <a:solidFill>
+                  <a:schemeClr val="tx1"/>
+                </a:solidFill>
+                <a:latin typeface="+mn-lt"/>
+                <a:ea typeface="+mn-ea"/>
+                <a:cs typeface="+mn-cs"/>
+              </a:defRPr>
+            </a:lvl7pPr>
+            <a:lvl8pPr marL="3429000" indent="-228600" algn="l" defTabSz="914400" rtl="0" eaLnBrk="1" latinLnBrk="0" hangingPunct="1">
+              <a:lnSpc>
+                <a:spcPct val="90000"/>
+              </a:lnSpc>
+              <a:spcBef>
+                <a:spcPts val="500"/>
+              </a:spcBef>
+              <a:buFont typeface="Arial" panose="020B0604020202020204" pitchFamily="34" charset="0"/>
+              <a:buChar char="•"/>
+              <a:defRPr sz="1800" kern="1200">
+                <a:solidFill>
+                  <a:schemeClr val="tx1"/>
+                </a:solidFill>
+                <a:latin typeface="+mn-lt"/>
+                <a:ea typeface="+mn-ea"/>
+                <a:cs typeface="+mn-cs"/>
+              </a:defRPr>
+            </a:lvl8pPr>
+            <a:lvl9pPr marL="3886200" indent="-228600" algn="l" defTabSz="914400" rtl="0" eaLnBrk="1" latinLnBrk="0" hangingPunct="1">
+              <a:lnSpc>
+                <a:spcPct val="90000"/>
+              </a:lnSpc>
+              <a:spcBef>
+                <a:spcPts val="500"/>
+              </a:spcBef>
+              <a:buFont typeface="Arial" panose="020B0604020202020204" pitchFamily="34" charset="0"/>
+              <a:buChar char="•"/>
+              <a:defRPr sz="1800" kern="1200">
+                <a:solidFill>
+                  <a:schemeClr val="tx1"/>
+                </a:solidFill>
+                <a:latin typeface="+mn-lt"/>
+                <a:ea typeface="+mn-ea"/>
+                <a:cs typeface="+mn-cs"/>
+              </a:defRPr>
+            </a:lvl9pPr>
+          </a:lstStyle>
+          <a:p>
+            <a:r>
+              <a:rPr lang="en-US" sz="2000" dirty="0"/>
+              <a:t>map</a:t>
+            </a:r>
+          </a:p>
+        </p:txBody>
+      </p:sp>
+      <p:sp>
+        <p:nvSpPr>
+          <p:cNvPr id="19" name="Text Placeholder 7">
+            <a:extLst>
+              <a:ext uri="{FF2B5EF4-FFF2-40B4-BE49-F238E27FC236}">
+                <a16:creationId xmlns:a16="http://schemas.microsoft.com/office/drawing/2014/main" id="{3987687E-533D-4D92-AB3C-9FA17C4D6CA1}"/>
+              </a:ext>
+            </a:extLst>
+          </p:cNvPr>
+          <p:cNvSpPr txBox="1">
+            <a:spLocks/>
+          </p:cNvSpPr>
+          <p:nvPr/>
+        </p:nvSpPr>
+        <p:spPr>
+          <a:xfrm>
+            <a:off x="8371332" y="5425558"/>
+            <a:ext cx="2770632" cy="373217"/>
+          </a:xfrm>
+          <a:prstGeom prst="rect">
+            <a:avLst/>
+          </a:prstGeom>
+          <a:noFill/>
+        </p:spPr>
+        <p:txBody>
+          <a:bodyPr vert="horz" lIns="91440" tIns="45720" rIns="91440" bIns="45720" rtlCol="0" anchor="t">
+            <a:noAutofit/>
+          </a:bodyPr>
+          <a:lstStyle>
+            <a:lvl1pPr marL="347472" indent="-347472" algn="l" defTabSz="914400" rtl="0" eaLnBrk="1" latinLnBrk="0" hangingPunct="1">
+              <a:lnSpc>
+                <a:spcPct val="100000"/>
+              </a:lnSpc>
+              <a:spcBef>
+                <a:spcPts val="360"/>
+              </a:spcBef>
+              <a:buFont typeface="Arial" panose="020B0604020202020204" pitchFamily="34" charset="0"/>
+              <a:buChar char="•"/>
+              <a:defRPr sz="1500" kern="1200">
+                <a:solidFill>
+                  <a:schemeClr val="accent6"/>
+                </a:solidFill>
+                <a:latin typeface="+mn-lt"/>
+                <a:ea typeface="+mn-ea"/>
+                <a:cs typeface="+mn-cs"/>
+              </a:defRPr>
+            </a:lvl1pPr>
+            <a:lvl2pPr marL="685800" indent="-347472" algn="l" defTabSz="914400" rtl="0" eaLnBrk="1" latinLnBrk="0" hangingPunct="1">
+              <a:lnSpc>
+                <a:spcPct val="100000"/>
+              </a:lnSpc>
+              <a:spcBef>
+                <a:spcPts val="360"/>
+              </a:spcBef>
+              <a:buFont typeface="Arial" panose="020B0604020202020204" pitchFamily="34" charset="0"/>
+              <a:buChar char="•"/>
+              <a:defRPr sz="2400" kern="1200">
+                <a:solidFill>
+                  <a:schemeClr val="accent6"/>
+                </a:solidFill>
+                <a:latin typeface="+mn-lt"/>
+                <a:ea typeface="+mn-ea"/>
+                <a:cs typeface="+mn-cs"/>
+              </a:defRPr>
+            </a:lvl2pPr>
+            <a:lvl3pPr marL="1143000" indent="-347472" algn="l" defTabSz="914400" rtl="0" eaLnBrk="1" latinLnBrk="0" hangingPunct="1">
+              <a:lnSpc>
+                <a:spcPct val="100000"/>
+              </a:lnSpc>
+              <a:spcBef>
+                <a:spcPts val="360"/>
+              </a:spcBef>
+              <a:buFont typeface="Arial" panose="020B0604020202020204" pitchFamily="34" charset="0"/>
+              <a:buChar char="•"/>
+              <a:defRPr sz="2000" kern="1200">
+                <a:solidFill>
+                  <a:schemeClr val="accent6"/>
+                </a:solidFill>
+                <a:latin typeface="+mn-lt"/>
+                <a:ea typeface="+mn-ea"/>
+                <a:cs typeface="+mn-cs"/>
+              </a:defRPr>
+            </a:lvl3pPr>
+            <a:lvl4pPr marL="1600200" indent="-347472" algn="l" defTabSz="914400" rtl="0" eaLnBrk="1" latinLnBrk="0" hangingPunct="1">
+              <a:lnSpc>
+                <a:spcPct val="100000"/>
+              </a:lnSpc>
+              <a:spcBef>
+                <a:spcPts val="360"/>
+              </a:spcBef>
+              <a:buFont typeface="Arial" panose="020B0604020202020204" pitchFamily="34" charset="0"/>
+              <a:buChar char="•"/>
+              <a:defRPr sz="1800" kern="1200">
+                <a:solidFill>
+                  <a:schemeClr val="accent6"/>
+                </a:solidFill>
+                <a:latin typeface="+mn-lt"/>
+                <a:ea typeface="+mn-ea"/>
+                <a:cs typeface="+mn-cs"/>
+              </a:defRPr>
+            </a:lvl4pPr>
+            <a:lvl5pPr marL="2057400" indent="-347472" algn="l" defTabSz="914400" rtl="0" eaLnBrk="1" latinLnBrk="0" hangingPunct="1">
+              <a:lnSpc>
+                <a:spcPct val="100000"/>
+              </a:lnSpc>
+              <a:spcBef>
+                <a:spcPts val="360"/>
+              </a:spcBef>
+              <a:buFont typeface="Arial" panose="020B0604020202020204" pitchFamily="34" charset="0"/>
+              <a:buChar char="•"/>
+              <a:defRPr sz="1800" kern="1200">
+                <a:solidFill>
+                  <a:schemeClr val="accent6"/>
+                </a:solidFill>
+                <a:latin typeface="+mn-lt"/>
+                <a:ea typeface="+mn-ea"/>
+                <a:cs typeface="+mn-cs"/>
+              </a:defRPr>
+            </a:lvl5pPr>
+            <a:lvl6pPr marL="2514600" indent="-228600" algn="l" defTabSz="914400" rtl="0" eaLnBrk="1" latinLnBrk="0" hangingPunct="1">
+              <a:lnSpc>
+                <a:spcPct val="90000"/>
+              </a:lnSpc>
+              <a:spcBef>
+                <a:spcPts val="500"/>
+              </a:spcBef>
+              <a:buFont typeface="Arial" panose="020B0604020202020204" pitchFamily="34" charset="0"/>
+              <a:buChar char="•"/>
+              <a:defRPr sz="1800" kern="1200">
+                <a:solidFill>
+                  <a:schemeClr val="tx1"/>
+                </a:solidFill>
+                <a:latin typeface="+mn-lt"/>
+                <a:ea typeface="+mn-ea"/>
+                <a:cs typeface="+mn-cs"/>
+              </a:defRPr>
+            </a:lvl6pPr>
+            <a:lvl7pPr marL="2971800" indent="-228600" algn="l" defTabSz="914400" rtl="0" eaLnBrk="1" latinLnBrk="0" hangingPunct="1">
+              <a:lnSpc>
+                <a:spcPct val="90000"/>
+              </a:lnSpc>
+              <a:spcBef>
+                <a:spcPts val="500"/>
+              </a:spcBef>
+              <a:buFont typeface="Arial" panose="020B0604020202020204" pitchFamily="34" charset="0"/>
+              <a:buChar char="•"/>
+              <a:defRPr sz="1800" kern="1200">
+                <a:solidFill>
+                  <a:schemeClr val="tx1"/>
+                </a:solidFill>
+                <a:latin typeface="+mn-lt"/>
+                <a:ea typeface="+mn-ea"/>
+                <a:cs typeface="+mn-cs"/>
+              </a:defRPr>
+            </a:lvl7pPr>
+            <a:lvl8pPr marL="3429000" indent="-228600" algn="l" defTabSz="914400" rtl="0" eaLnBrk="1" latinLnBrk="0" hangingPunct="1">
+              <a:lnSpc>
+                <a:spcPct val="90000"/>
+              </a:lnSpc>
+              <a:spcBef>
+                <a:spcPts val="500"/>
+              </a:spcBef>
+              <a:buFont typeface="Arial" panose="020B0604020202020204" pitchFamily="34" charset="0"/>
+              <a:buChar char="•"/>
+              <a:defRPr sz="1800" kern="1200">
+                <a:solidFill>
+                  <a:schemeClr val="tx1"/>
+                </a:solidFill>
+                <a:latin typeface="+mn-lt"/>
+                <a:ea typeface="+mn-ea"/>
+                <a:cs typeface="+mn-cs"/>
+              </a:defRPr>
+            </a:lvl8pPr>
+            <a:lvl9pPr marL="3886200" indent="-228600" algn="l" defTabSz="914400" rtl="0" eaLnBrk="1" latinLnBrk="0" hangingPunct="1">
+              <a:lnSpc>
+                <a:spcPct val="90000"/>
+              </a:lnSpc>
+              <a:spcBef>
+                <a:spcPts val="500"/>
+              </a:spcBef>
+              <a:buFont typeface="Arial" panose="020B0604020202020204" pitchFamily="34" charset="0"/>
+              <a:buChar char="•"/>
+              <a:defRPr sz="1800" kern="1200">
+                <a:solidFill>
+                  <a:schemeClr val="tx1"/>
+                </a:solidFill>
+                <a:latin typeface="+mn-lt"/>
+                <a:ea typeface="+mn-ea"/>
+                <a:cs typeface="+mn-cs"/>
+              </a:defRPr>
+            </a:lvl9pPr>
+          </a:lstStyle>
+          <a:p>
+            <a:r>
+              <a:rPr lang="en-US" sz="2000" dirty="0"/>
+              <a:t>None, frozenset…</a:t>
             </a:r>
           </a:p>
         </p:txBody>
@@ -25030,40 +25415,235 @@
           <a:chExt cx="0" cy="0"/>
         </a:xfrm>
       </p:grpSpPr>
-      <p:pic>
-        <p:nvPicPr>
-          <p:cNvPr id="13" name="Picture 12">
+      <p:sp>
+        <p:nvSpPr>
+          <p:cNvPr id="2" name="Title 1">
             <a:extLst>
               <a:ext uri="{FF2B5EF4-FFF2-40B4-BE49-F238E27FC236}">
-                <a16:creationId xmlns:a16="http://schemas.microsoft.com/office/drawing/2014/main" id="{CDAE2DF7-28DB-F38E-DF59-1F6EBAC604F0}"/>
+                <a16:creationId xmlns:a16="http://schemas.microsoft.com/office/drawing/2014/main" id="{86B309B0-6209-D3D0-9D5E-308B9F6E7303}"/>
               </a:ext>
             </a:extLst>
           </p:cNvPr>
-          <p:cNvPicPr>
-            <a:picLocks noChangeAspect="1"/>
-          </p:cNvPicPr>
-          <p:nvPr/>
-        </p:nvPicPr>
-        <p:blipFill>
-          <a:blip r:embed="rId2"/>
-          <a:stretch>
-            <a:fillRect/>
-          </a:stretch>
-        </p:blipFill>
+          <p:cNvSpPr>
+            <a:spLocks noGrp="1"/>
+          </p:cNvSpPr>
+          <p:nvPr>
+            <p:ph type="title"/>
+          </p:nvPr>
+        </p:nvSpPr>
         <p:spPr>
           <a:xfrm>
-            <a:off x="0" y="1587043"/>
-            <a:ext cx="12192000" cy="3683914"/>
+            <a:off x="3986784" y="655782"/>
+            <a:ext cx="8165592" cy="1355898"/>
           </a:xfrm>
-          <a:prstGeom prst="rect">
-            <a:avLst/>
-          </a:prstGeom>
         </p:spPr>
-      </p:pic>
+        <p:txBody>
+          <a:bodyPr/>
+          <a:lstStyle/>
+          <a:p>
+            <a:r>
+              <a:rPr lang="ru-RU" dirty="0"/>
+              <a:t>ВВОД и ВЫВОд </a:t>
+            </a:r>
+            <a:br>
+              <a:rPr lang="ru-RU" dirty="0"/>
+            </a:br>
+            <a:r>
+              <a:rPr lang="ru-RU" dirty="0"/>
+              <a:t>через Консоль</a:t>
+            </a:r>
+            <a:endParaRPr lang="en-US" dirty="0"/>
+          </a:p>
+        </p:txBody>
+      </p:sp>
+      <p:sp>
+        <p:nvSpPr>
+          <p:cNvPr id="25" name="Slide Number Placeholder 24">
+            <a:extLst>
+              <a:ext uri="{FF2B5EF4-FFF2-40B4-BE49-F238E27FC236}">
+                <a16:creationId xmlns:a16="http://schemas.microsoft.com/office/drawing/2014/main" id="{5058AE03-D409-0714-CCED-4548A9C92023}"/>
+              </a:ext>
+            </a:extLst>
+          </p:cNvPr>
+          <p:cNvSpPr>
+            <a:spLocks noGrp="1"/>
+          </p:cNvSpPr>
+          <p:nvPr>
+            <p:ph type="sldNum" sz="quarter" idx="12"/>
+          </p:nvPr>
+        </p:nvSpPr>
+        <p:spPr/>
+        <p:txBody>
+          <a:bodyPr/>
+          <a:lstStyle/>
+          <a:p>
+            <a:fld id="{48F63A3B-78C7-47BE-AE5E-E10140E04643}" type="slidenum">
+              <a:rPr lang="en-US" smtClean="0"/>
+              <a:t>8</a:t>
+            </a:fld>
+            <a:endParaRPr lang="en-US" dirty="0"/>
+          </a:p>
+        </p:txBody>
+      </p:sp>
+      <p:sp>
+        <p:nvSpPr>
+          <p:cNvPr id="13" name="Text Placeholder 12">
+            <a:extLst>
+              <a:ext uri="{FF2B5EF4-FFF2-40B4-BE49-F238E27FC236}">
+                <a16:creationId xmlns:a16="http://schemas.microsoft.com/office/drawing/2014/main" id="{F618F075-837C-1005-19D6-8DC90759CD53}"/>
+              </a:ext>
+            </a:extLst>
+          </p:cNvPr>
+          <p:cNvSpPr>
+            <a:spLocks noGrp="1"/>
+          </p:cNvSpPr>
+          <p:nvPr>
+            <p:ph type="body" sz="quarter" idx="3"/>
+          </p:nvPr>
+        </p:nvSpPr>
+        <p:spPr>
+          <a:xfrm>
+            <a:off x="3986784" y="2330704"/>
+            <a:ext cx="7882128" cy="4070096"/>
+          </a:xfrm>
+        </p:spPr>
+        <p:txBody>
+          <a:bodyPr/>
+          <a:lstStyle/>
+          <a:p>
+            <a:endParaRPr lang="en-US" dirty="0">
+              <a:solidFill>
+                <a:schemeClr val="tx1"/>
+              </a:solidFill>
+            </a:endParaRPr>
+          </a:p>
+          <a:p>
+            <a:r>
+              <a:rPr lang="ru-RU" dirty="0">
+                <a:solidFill>
+                  <a:schemeClr val="tx1"/>
+                </a:solidFill>
+              </a:rPr>
+              <a:t>Чтобы получить данные из консоли используется</a:t>
+            </a:r>
+          </a:p>
+          <a:p>
+            <a:r>
+              <a:rPr lang="ru-RU" dirty="0">
+                <a:solidFill>
+                  <a:schemeClr val="tx1"/>
+                </a:solidFill>
+              </a:rPr>
+              <a:t>оператор </a:t>
+            </a:r>
+            <a:r>
+              <a:rPr lang="en-US" dirty="0">
+                <a:solidFill>
+                  <a:schemeClr val="tx1"/>
+                </a:solidFill>
+              </a:rPr>
+              <a:t>Input()</a:t>
+            </a:r>
+          </a:p>
+          <a:p>
+            <a:endParaRPr lang="en-US" dirty="0">
+              <a:solidFill>
+                <a:schemeClr val="tx1"/>
+              </a:solidFill>
+            </a:endParaRPr>
+          </a:p>
+          <a:p>
+            <a:pPr algn="ctr"/>
+            <a:r>
+              <a:rPr lang="en-US" dirty="0">
+                <a:solidFill>
+                  <a:schemeClr val="tx1"/>
+                </a:solidFill>
+              </a:rPr>
+              <a:t>data = input()</a:t>
+            </a:r>
+          </a:p>
+          <a:p>
+            <a:pPr algn="ctr"/>
+            <a:endParaRPr lang="en-US" dirty="0">
+              <a:solidFill>
+                <a:schemeClr val="tx1"/>
+              </a:solidFill>
+            </a:endParaRPr>
+          </a:p>
+          <a:p>
+            <a:pPr algn="ctr"/>
+            <a:endParaRPr lang="en-US" dirty="0">
+              <a:solidFill>
+                <a:schemeClr val="tx1"/>
+              </a:solidFill>
+            </a:endParaRPr>
+          </a:p>
+          <a:p>
+            <a:pPr algn="ctr"/>
+            <a:endParaRPr lang="en-US" dirty="0">
+              <a:solidFill>
+                <a:schemeClr val="tx1"/>
+              </a:solidFill>
+            </a:endParaRPr>
+          </a:p>
+          <a:p>
+            <a:r>
+              <a:rPr lang="ru-RU" dirty="0">
+                <a:solidFill>
+                  <a:schemeClr val="tx1"/>
+                </a:solidFill>
+              </a:rPr>
+              <a:t>Чтобы вывести данные в консоль используется оператор </a:t>
+            </a:r>
+            <a:r>
+              <a:rPr lang="en-US" dirty="0">
+                <a:solidFill>
+                  <a:schemeClr val="tx1"/>
+                </a:solidFill>
+              </a:rPr>
+              <a:t>Print()</a:t>
+            </a:r>
+          </a:p>
+          <a:p>
+            <a:endParaRPr lang="en-US" dirty="0">
+              <a:solidFill>
+                <a:schemeClr val="tx1"/>
+              </a:solidFill>
+            </a:endParaRPr>
+          </a:p>
+          <a:p>
+            <a:pPr algn="ctr"/>
+            <a:r>
+              <a:rPr lang="en-US" dirty="0">
+                <a:solidFill>
+                  <a:schemeClr val="tx1"/>
+                </a:solidFill>
+              </a:rPr>
+              <a:t>print(data)</a:t>
+            </a:r>
+          </a:p>
+          <a:p>
+            <a:pPr algn="ctr"/>
+            <a:endParaRPr lang="en-US" dirty="0">
+              <a:solidFill>
+                <a:schemeClr val="tx1"/>
+              </a:solidFill>
+            </a:endParaRPr>
+          </a:p>
+          <a:p>
+            <a:endParaRPr lang="en-US" dirty="0">
+              <a:solidFill>
+                <a:schemeClr val="tx1"/>
+              </a:solidFill>
+            </a:endParaRPr>
+          </a:p>
+        </p:txBody>
+      </p:sp>
     </p:spTree>
     <p:extLst>
       <p:ext uri="{BB962C8B-B14F-4D97-AF65-F5344CB8AC3E}">
-        <p14:creationId xmlns:p14="http://schemas.microsoft.com/office/powerpoint/2010/main" val="94818171"/>
+        <p14:creationId xmlns:p14="http://schemas.microsoft.com/office/powerpoint/2010/main" val="3759173453"/>
       </p:ext>
     </p:extLst>
   </p:cSld>
@@ -25106,23 +25686,14 @@
             <p:ph type="title"/>
           </p:nvPr>
         </p:nvSpPr>
-        <p:spPr>
-          <a:xfrm>
-            <a:off x="1508760" y="1319784"/>
-            <a:ext cx="6766560" cy="1331976"/>
-          </a:xfrm>
-        </p:spPr>
+        <p:spPr/>
         <p:txBody>
           <a:bodyPr/>
           <a:lstStyle/>
           <a:p>
             <a:r>
-              <a:rPr lang="ru-RU" dirty="0"/>
-              <a:t>Условный оператор </a:t>
-            </a:r>
-            <a:r>
               <a:rPr lang="en-US" dirty="0"/>
-              <a:t>If...Else</a:t>
+              <a:t>SUMMARY </a:t>
             </a:r>
           </a:p>
         </p:txBody>
@@ -25186,40 +25757,113 @@
           </a:p>
         </p:txBody>
       </p:sp>
-      <p:pic>
-        <p:nvPicPr>
-          <p:cNvPr id="9" name="Picture 8">
+      <p:sp>
+        <p:nvSpPr>
+          <p:cNvPr id="3" name="Content Placeholder 2">
             <a:extLst>
               <a:ext uri="{FF2B5EF4-FFF2-40B4-BE49-F238E27FC236}">
-                <a16:creationId xmlns:a16="http://schemas.microsoft.com/office/drawing/2014/main" id="{3CBD3CCF-DDBB-DEA2-540E-AB167C334B0C}"/>
+                <a16:creationId xmlns:a16="http://schemas.microsoft.com/office/drawing/2014/main" id="{2BE8FDE3-DBA4-6A04-C75D-E56FE92EF368}"/>
               </a:ext>
             </a:extLst>
           </p:cNvPr>
-          <p:cNvPicPr>
-            <a:picLocks noChangeAspect="1"/>
-          </p:cNvPicPr>
-          <p:nvPr/>
-        </p:nvPicPr>
-        <p:blipFill>
-          <a:blip r:embed="rId2"/>
-          <a:stretch>
-            <a:fillRect/>
-          </a:stretch>
-        </p:blipFill>
+          <p:cNvSpPr>
+            <a:spLocks noGrp="1"/>
+          </p:cNvSpPr>
+          <p:nvPr>
+            <p:ph idx="1"/>
+          </p:nvPr>
+        </p:nvSpPr>
         <p:spPr>
           <a:xfrm>
-            <a:off x="673977" y="3429000"/>
-            <a:ext cx="9650531" cy="1523768"/>
+            <a:off x="1508760" y="2837688"/>
+            <a:ext cx="6425276" cy="2700528"/>
           </a:xfrm>
-          <a:prstGeom prst="rect">
-            <a:avLst/>
-          </a:prstGeom>
         </p:spPr>
-      </p:pic>
+        <p:txBody>
+          <a:bodyPr/>
+          <a:lstStyle/>
+          <a:p>
+            <a:r>
+              <a:rPr lang="ru-RU" sz="2000" dirty="0">
+                <a:solidFill>
+                  <a:schemeClr val="tx1"/>
+                </a:solidFill>
+              </a:rPr>
+              <a:t>Программирование это 80% </a:t>
+            </a:r>
+            <a:r>
+              <a:rPr lang="ru-RU" sz="2000" dirty="0" err="1">
+                <a:solidFill>
+                  <a:schemeClr val="tx1"/>
+                </a:solidFill>
+              </a:rPr>
+              <a:t>пракики</a:t>
+            </a:r>
+            <a:r>
+              <a:rPr lang="ru-RU" sz="2000" dirty="0">
+                <a:solidFill>
+                  <a:schemeClr val="tx1"/>
+                </a:solidFill>
+              </a:rPr>
+              <a:t> и 20% теории</a:t>
+            </a:r>
+            <a:br>
+              <a:rPr lang="ru-RU" sz="2000" dirty="0">
+                <a:solidFill>
+                  <a:schemeClr val="tx1"/>
+                </a:solidFill>
+              </a:rPr>
+            </a:br>
+            <a:r>
+              <a:rPr lang="ru-RU" sz="2000" dirty="0">
+                <a:solidFill>
+                  <a:schemeClr val="tx1"/>
+                </a:solidFill>
+              </a:rPr>
+              <a:t>Узнали что-то новое? Примените это на практике!</a:t>
+            </a:r>
+            <a:br>
+              <a:rPr lang="ru-RU" sz="2000" dirty="0">
+                <a:solidFill>
+                  <a:schemeClr val="tx1"/>
+                </a:solidFill>
+              </a:rPr>
+            </a:br>
+            <a:r>
+              <a:rPr lang="ru-RU" sz="2000" dirty="0">
+                <a:solidFill>
+                  <a:schemeClr val="tx1"/>
+                </a:solidFill>
+              </a:rPr>
+              <a:t>Не можете это применить? Сохраните на будущее, подписав понятным образом</a:t>
+            </a:r>
+            <a:br>
+              <a:rPr lang="ru-RU" sz="2000" dirty="0">
+                <a:solidFill>
+                  <a:schemeClr val="tx1"/>
+                </a:solidFill>
+              </a:rPr>
+            </a:br>
+            <a:r>
+              <a:rPr lang="ru-RU" sz="2000" dirty="0">
+                <a:solidFill>
+                  <a:schemeClr val="tx1"/>
+                </a:solidFill>
+              </a:rPr>
+              <a:t>Работодатели не ценят красные дипломы, они ценят большие портфолио</a:t>
+            </a:r>
+            <a:endParaRPr lang="en-US" sz="2000" dirty="0">
+              <a:solidFill>
+                <a:schemeClr val="tx1"/>
+              </a:solidFill>
+            </a:endParaRPr>
+          </a:p>
+        </p:txBody>
+      </p:sp>
     </p:spTree>
     <p:extLst>
       <p:ext uri="{BB962C8B-B14F-4D97-AF65-F5344CB8AC3E}">
-        <p14:creationId xmlns:p14="http://schemas.microsoft.com/office/powerpoint/2010/main" val="2324600757"/>
+        <p14:creationId xmlns:p14="http://schemas.microsoft.com/office/powerpoint/2010/main" val="435968852"/>
       </p:ext>
     </p:extLst>
   </p:cSld>
